--- a/chatbot/db 구성.pptx
+++ b/chatbot/db 구성.pptx
@@ -3543,56 +3543,6 @@
       </p:cxnSp>
       <p:cxnSp>
         <p:nvCxnSpPr>
-          <p:cNvPr id="26" name="연결선: 꺾임 25">
-            <a:extLst>
-              <a:ext uri="{FF2B5EF4-FFF2-40B4-BE49-F238E27FC236}">
-                <a16:creationId xmlns:a16="http://schemas.microsoft.com/office/drawing/2014/main" id="{94C0DF37-049D-4EF7-9472-357EDDF71E45}"/>
-              </a:ext>
-            </a:extLst>
-          </p:cNvPr>
-          <p:cNvCxnSpPr>
-            <a:cxnSpLocks/>
-            <a:endCxn id="39" idx="0"/>
-          </p:cNvCxnSpPr>
-          <p:nvPr/>
-        </p:nvCxnSpPr>
-        <p:spPr>
-          <a:xfrm>
-            <a:off x="3696339" y="1497496"/>
-            <a:ext cx="5556478" cy="1921556"/>
-          </a:xfrm>
-          <a:prstGeom prst="bentConnector2">
-            <a:avLst/>
-          </a:prstGeom>
-          <a:ln w="25400">
-            <a:headEnd type="arrow" w="lg" len="lg"/>
-            <a:tailEnd type="arrow" w="lg" len="lg"/>
-          </a:ln>
-          <a:effectLst>
-            <a:outerShdw blurRad="50800" dist="50800" dir="5400000" algn="ctr" rotWithShape="0">
-              <a:srgbClr val="000000">
-                <a:alpha val="43137"/>
-              </a:srgbClr>
-            </a:outerShdw>
-          </a:effectLst>
-        </p:spPr>
-        <p:style>
-          <a:lnRef idx="1">
-            <a:schemeClr val="accent1"/>
-          </a:lnRef>
-          <a:fillRef idx="0">
-            <a:schemeClr val="accent1"/>
-          </a:fillRef>
-          <a:effectRef idx="0">
-            <a:schemeClr val="accent1"/>
-          </a:effectRef>
-          <a:fontRef idx="minor">
-            <a:schemeClr val="tx1"/>
-          </a:fontRef>
-        </p:style>
-      </p:cxnSp>
-      <p:cxnSp>
-        <p:nvCxnSpPr>
           <p:cNvPr id="27" name="연결선: 꺾임 26">
             <a:extLst>
               <a:ext uri="{FF2B5EF4-FFF2-40B4-BE49-F238E27FC236}">
@@ -4654,6 +4604,252 @@
             <a:xfrm>
               <a:off x="7916948" y="3718320"/>
               <a:ext cx="2671737" cy="0"/>
+            </a:xfrm>
+            <a:prstGeom prst="line">
+              <a:avLst/>
+            </a:prstGeom>
+            <a:ln>
+              <a:solidFill>
+                <a:schemeClr val="tx1"/>
+              </a:solidFill>
+            </a:ln>
+          </p:spPr>
+          <p:style>
+            <a:lnRef idx="1">
+              <a:schemeClr val="accent1"/>
+            </a:lnRef>
+            <a:fillRef idx="0">
+              <a:schemeClr val="accent1"/>
+            </a:fillRef>
+            <a:effectRef idx="0">
+              <a:schemeClr val="accent1"/>
+            </a:effectRef>
+            <a:fontRef idx="minor">
+              <a:schemeClr val="tx1"/>
+            </a:fontRef>
+          </p:style>
+        </p:cxnSp>
+      </p:grpSp>
+      <p:grpSp>
+        <p:nvGrpSpPr>
+          <p:cNvPr id="20" name="그룹 19">
+            <a:extLst>
+              <a:ext uri="{FF2B5EF4-FFF2-40B4-BE49-F238E27FC236}">
+                <a16:creationId xmlns:a16="http://schemas.microsoft.com/office/drawing/2014/main" id="{DFFCBF96-64C0-470B-BC72-9E3E9B7C56C0}"/>
+              </a:ext>
+            </a:extLst>
+          </p:cNvPr>
+          <p:cNvGrpSpPr/>
+          <p:nvPr/>
+        </p:nvGrpSpPr>
+        <p:grpSpPr>
+          <a:xfrm>
+            <a:off x="7872470" y="622539"/>
+            <a:ext cx="2760692" cy="2246769"/>
+            <a:chOff x="1228868" y="3742218"/>
+            <a:chExt cx="2760692" cy="2246769"/>
+          </a:xfrm>
+        </p:grpSpPr>
+        <p:sp>
+          <p:nvSpPr>
+            <p:cNvPr id="21" name="TextBox 20">
+              <a:extLst>
+                <a:ext uri="{FF2B5EF4-FFF2-40B4-BE49-F238E27FC236}">
+                  <a16:creationId xmlns:a16="http://schemas.microsoft.com/office/drawing/2014/main" id="{8CF9EBC5-4595-4A31-8B80-3E8A638A57B8}"/>
+                </a:ext>
+              </a:extLst>
+            </p:cNvPr>
+            <p:cNvSpPr txBox="1"/>
+            <p:nvPr/>
+          </p:nvSpPr>
+          <p:spPr>
+            <a:xfrm>
+              <a:off x="1228868" y="3742218"/>
+              <a:ext cx="2760692" cy="2246769"/>
+            </a:xfrm>
+            <a:prstGeom prst="rect">
+              <a:avLst/>
+            </a:prstGeom>
+            <a:solidFill>
+              <a:schemeClr val="bg1"/>
+            </a:solidFill>
+            <a:ln>
+              <a:solidFill>
+                <a:schemeClr val="tx1"/>
+              </a:solidFill>
+            </a:ln>
+            <a:effectLst>
+              <a:outerShdw blurRad="57785" dist="33020" dir="3180000" algn="ctr">
+                <a:srgbClr val="000000">
+                  <a:alpha val="30000"/>
+                </a:srgbClr>
+              </a:outerShdw>
+            </a:effectLst>
+            <a:scene3d>
+              <a:camera prst="orthographicFront">
+                <a:rot lat="0" lon="0" rev="0"/>
+              </a:camera>
+              <a:lightRig rig="brightRoom" dir="t">
+                <a:rot lat="0" lon="0" rev="600000"/>
+              </a:lightRig>
+            </a:scene3d>
+            <a:sp3d prstMaterial="metal">
+              <a:bevelT w="38100" h="57150" prst="angle"/>
+            </a:sp3d>
+          </p:spPr>
+          <p:txBody>
+            <a:bodyPr wrap="square" rtlCol="0">
+              <a:spAutoFit/>
+            </a:bodyPr>
+            <a:lstStyle/>
+            <a:p>
+              <a:pPr algn="ctr"/>
+              <a:r>
+                <a:rPr lang="ko-KR" altLang="en-US" sz="1400" dirty="0"/>
+                <a:t>게시판 </a:t>
+              </a:r>
+              <a:r>
+                <a:rPr lang="en-US" altLang="ko-KR" sz="1400" dirty="0"/>
+                <a:t>– community</a:t>
+              </a:r>
+            </a:p>
+            <a:p>
+              <a:endParaRPr lang="en-US" altLang="ko-KR" sz="1400" dirty="0"/>
+            </a:p>
+            <a:p>
+              <a:r>
+                <a:rPr lang="ko-KR" altLang="en-US" sz="1400" dirty="0"/>
+                <a:t>게시판번호 </a:t>
+              </a:r>
+              <a:r>
+                <a:rPr lang="en-US" altLang="ko-KR" sz="1400" dirty="0"/>
+                <a:t>– id</a:t>
+              </a:r>
+            </a:p>
+            <a:p>
+              <a:r>
+                <a:rPr lang="ko-KR" altLang="en-US" sz="1400" dirty="0"/>
+                <a:t>게시판타입 </a:t>
+              </a:r>
+              <a:r>
+                <a:rPr lang="en-US" altLang="ko-KR" sz="1400" dirty="0"/>
+                <a:t>– </a:t>
+              </a:r>
+              <a:r>
+                <a:rPr lang="en-US" altLang="ko-KR" sz="1400" dirty="0" err="1"/>
+                <a:t>communityType</a:t>
+              </a:r>
+              <a:endParaRPr lang="en-US" altLang="ko-KR" sz="1400" dirty="0"/>
+            </a:p>
+            <a:p>
+              <a:r>
+                <a:rPr lang="ko-KR" altLang="en-US" sz="1400" dirty="0"/>
+                <a:t>유저 </a:t>
+              </a:r>
+              <a:r>
+                <a:rPr lang="en-US" altLang="ko-KR" sz="1400" dirty="0"/>
+                <a:t>- </a:t>
+              </a:r>
+              <a:r>
+                <a:rPr lang="en-US" altLang="ko-KR" sz="1400" dirty="0" err="1"/>
+                <a:t>userId</a:t>
+              </a:r>
+              <a:endParaRPr lang="en-US" altLang="ko-KR" sz="1400" dirty="0"/>
+            </a:p>
+            <a:p>
+              <a:r>
+                <a:rPr lang="ko-KR" altLang="en-US" sz="1400" dirty="0"/>
+                <a:t>게시판이름 </a:t>
+              </a:r>
+              <a:r>
+                <a:rPr lang="en-US" altLang="ko-KR" sz="1400" dirty="0"/>
+                <a:t>– </a:t>
+              </a:r>
+              <a:r>
+                <a:rPr lang="en-US" altLang="ko-KR" sz="1400" dirty="0" err="1"/>
+                <a:t>communityName</a:t>
+              </a:r>
+              <a:endParaRPr lang="en-US" altLang="ko-KR" sz="1400" dirty="0"/>
+            </a:p>
+            <a:p>
+              <a:r>
+                <a:rPr lang="ko-KR" altLang="en-US" sz="1400" dirty="0"/>
+                <a:t>게시판설명 </a:t>
+              </a:r>
+              <a:r>
+                <a:rPr lang="en-US" altLang="ko-KR" sz="1400" dirty="0"/>
+                <a:t>– description</a:t>
+              </a:r>
+            </a:p>
+            <a:p>
+              <a:r>
+                <a:rPr lang="ko-KR" altLang="en-US" sz="1400" dirty="0" err="1"/>
+                <a:t>게시판이미지</a:t>
+              </a:r>
+              <a:r>
+                <a:rPr lang="ko-KR" altLang="en-US" sz="1400" dirty="0"/>
+                <a:t> </a:t>
+              </a:r>
+              <a:r>
+                <a:rPr lang="en-US" altLang="ko-KR" sz="1400" dirty="0"/>
+                <a:t>- </a:t>
+              </a:r>
+              <a:r>
+                <a:rPr lang="en-US" altLang="ko-KR" sz="1400" dirty="0" err="1"/>
+                <a:t>communityIcon</a:t>
+              </a:r>
+              <a:endParaRPr lang="en-US" altLang="ko-KR" sz="1400" dirty="0"/>
+            </a:p>
+            <a:p>
+              <a:r>
+                <a:rPr lang="ko-KR" altLang="en-US" sz="1400" dirty="0"/>
+                <a:t>생성일자 </a:t>
+              </a:r>
+              <a:r>
+                <a:rPr lang="en-US" altLang="ko-KR" sz="1400" dirty="0"/>
+                <a:t>– </a:t>
+              </a:r>
+              <a:r>
+                <a:rPr lang="en-US" altLang="ko-KR" sz="1400" dirty="0" err="1"/>
+                <a:t>createdDate</a:t>
+              </a:r>
+              <a:endParaRPr lang="en-US" altLang="ko-KR" sz="1400" dirty="0"/>
+            </a:p>
+            <a:p>
+              <a:r>
+                <a:rPr lang="ko-KR" altLang="en-US" sz="1400" dirty="0"/>
+                <a:t>수정일자 </a:t>
+              </a:r>
+              <a:r>
+                <a:rPr lang="en-US" altLang="ko-KR" sz="1400" dirty="0"/>
+                <a:t>– </a:t>
+              </a:r>
+              <a:r>
+                <a:rPr lang="en-US" altLang="ko-KR" sz="1400" dirty="0" err="1"/>
+                <a:t>updatedDate</a:t>
+              </a:r>
+              <a:endParaRPr lang="en-US" altLang="ko-KR" sz="1400" dirty="0"/>
+            </a:p>
+          </p:txBody>
+        </p:sp>
+        <p:cxnSp>
+          <p:nvCxnSpPr>
+            <p:cNvPr id="38" name="직선 연결선 37">
+              <a:extLst>
+                <a:ext uri="{FF2B5EF4-FFF2-40B4-BE49-F238E27FC236}">
+                  <a16:creationId xmlns:a16="http://schemas.microsoft.com/office/drawing/2014/main" id="{915ABEB5-3558-40C4-A384-D889E6F7FC00}"/>
+                </a:ext>
+              </a:extLst>
+            </p:cNvPr>
+            <p:cNvCxnSpPr>
+              <a:cxnSpLocks/>
+            </p:cNvCxnSpPr>
+            <p:nvPr/>
+          </p:nvCxnSpPr>
+          <p:spPr>
+            <a:xfrm>
+              <a:off x="1228868" y="4030716"/>
+              <a:ext cx="2760692" cy="0"/>
             </a:xfrm>
             <a:prstGeom prst="line">
               <a:avLst/>

--- a/chatbot/db 구성.pptx
+++ b/chatbot/db 구성.pptx
@@ -7,7 +7,8 @@
   <p:sldIdLst>
     <p:sldId id="256" r:id="rId2"/>
     <p:sldId id="257" r:id="rId3"/>
-    <p:sldId id="258" r:id="rId4"/>
+    <p:sldId id="259" r:id="rId4"/>
+    <p:sldId id="258" r:id="rId5"/>
   </p:sldIdLst>
   <p:sldSz cx="12192000" cy="6858000"/>
   <p:notesSz cx="6858000" cy="9144000"/>
@@ -272,7 +273,7 @@
           <a:p>
             <a:fld id="{B9975B3A-C53D-4B62-9F6E-D0A169495C83}" type="datetimeFigureOut">
               <a:rPr lang="ko-KR" altLang="en-US" smtClean="0"/>
-              <a:t>2024-05-24</a:t>
+              <a:t>2024-05-28</a:t>
             </a:fld>
             <a:endParaRPr lang="ko-KR" altLang="en-US"/>
           </a:p>
@@ -470,7 +471,7 @@
           <a:p>
             <a:fld id="{B9975B3A-C53D-4B62-9F6E-D0A169495C83}" type="datetimeFigureOut">
               <a:rPr lang="ko-KR" altLang="en-US" smtClean="0"/>
-              <a:t>2024-05-24</a:t>
+              <a:t>2024-05-28</a:t>
             </a:fld>
             <a:endParaRPr lang="ko-KR" altLang="en-US"/>
           </a:p>
@@ -678,7 +679,7 @@
           <a:p>
             <a:fld id="{B9975B3A-C53D-4B62-9F6E-D0A169495C83}" type="datetimeFigureOut">
               <a:rPr lang="ko-KR" altLang="en-US" smtClean="0"/>
-              <a:t>2024-05-24</a:t>
+              <a:t>2024-05-28</a:t>
             </a:fld>
             <a:endParaRPr lang="ko-KR" altLang="en-US"/>
           </a:p>
@@ -876,7 +877,7 @@
           <a:p>
             <a:fld id="{B9975B3A-C53D-4B62-9F6E-D0A169495C83}" type="datetimeFigureOut">
               <a:rPr lang="ko-KR" altLang="en-US" smtClean="0"/>
-              <a:t>2024-05-24</a:t>
+              <a:t>2024-05-28</a:t>
             </a:fld>
             <a:endParaRPr lang="ko-KR" altLang="en-US"/>
           </a:p>
@@ -1151,7 +1152,7 @@
           <a:p>
             <a:fld id="{B9975B3A-C53D-4B62-9F6E-D0A169495C83}" type="datetimeFigureOut">
               <a:rPr lang="ko-KR" altLang="en-US" smtClean="0"/>
-              <a:t>2024-05-24</a:t>
+              <a:t>2024-05-28</a:t>
             </a:fld>
             <a:endParaRPr lang="ko-KR" altLang="en-US"/>
           </a:p>
@@ -1416,7 +1417,7 @@
           <a:p>
             <a:fld id="{B9975B3A-C53D-4B62-9F6E-D0A169495C83}" type="datetimeFigureOut">
               <a:rPr lang="ko-KR" altLang="en-US" smtClean="0"/>
-              <a:t>2024-05-24</a:t>
+              <a:t>2024-05-28</a:t>
             </a:fld>
             <a:endParaRPr lang="ko-KR" altLang="en-US"/>
           </a:p>
@@ -1828,7 +1829,7 @@
           <a:p>
             <a:fld id="{B9975B3A-C53D-4B62-9F6E-D0A169495C83}" type="datetimeFigureOut">
               <a:rPr lang="ko-KR" altLang="en-US" smtClean="0"/>
-              <a:t>2024-05-24</a:t>
+              <a:t>2024-05-28</a:t>
             </a:fld>
             <a:endParaRPr lang="ko-KR" altLang="en-US"/>
           </a:p>
@@ -1969,7 +1970,7 @@
           <a:p>
             <a:fld id="{B9975B3A-C53D-4B62-9F6E-D0A169495C83}" type="datetimeFigureOut">
               <a:rPr lang="ko-KR" altLang="en-US" smtClean="0"/>
-              <a:t>2024-05-24</a:t>
+              <a:t>2024-05-28</a:t>
             </a:fld>
             <a:endParaRPr lang="ko-KR" altLang="en-US"/>
           </a:p>
@@ -2082,7 +2083,7 @@
           <a:p>
             <a:fld id="{B9975B3A-C53D-4B62-9F6E-D0A169495C83}" type="datetimeFigureOut">
               <a:rPr lang="ko-KR" altLang="en-US" smtClean="0"/>
-              <a:t>2024-05-24</a:t>
+              <a:t>2024-05-28</a:t>
             </a:fld>
             <a:endParaRPr lang="ko-KR" altLang="en-US"/>
           </a:p>
@@ -2393,7 +2394,7 @@
           <a:p>
             <a:fld id="{B9975B3A-C53D-4B62-9F6E-D0A169495C83}" type="datetimeFigureOut">
               <a:rPr lang="ko-KR" altLang="en-US" smtClean="0"/>
-              <a:t>2024-05-24</a:t>
+              <a:t>2024-05-28</a:t>
             </a:fld>
             <a:endParaRPr lang="ko-KR" altLang="en-US"/>
           </a:p>
@@ -2681,7 +2682,7 @@
           <a:p>
             <a:fld id="{B9975B3A-C53D-4B62-9F6E-D0A169495C83}" type="datetimeFigureOut">
               <a:rPr lang="ko-KR" altLang="en-US" smtClean="0"/>
-              <a:t>2024-05-24</a:t>
+              <a:t>2024-05-28</a:t>
             </a:fld>
             <a:endParaRPr lang="ko-KR" altLang="en-US"/>
           </a:p>
@@ -2922,7 +2923,7 @@
           <a:p>
             <a:fld id="{B9975B3A-C53D-4B62-9F6E-D0A169495C83}" type="datetimeFigureOut">
               <a:rPr lang="ko-KR" altLang="en-US" smtClean="0"/>
-              <a:t>2024-05-24</a:t>
+              <a:t>2024-05-28</a:t>
             </a:fld>
             <a:endParaRPr lang="ko-KR" altLang="en-US"/>
           </a:p>
@@ -3339,261 +3340,6 @@
           <a:chExt cx="0" cy="0"/>
         </a:xfrm>
       </p:grpSpPr>
-      <p:cxnSp>
-        <p:nvCxnSpPr>
-          <p:cNvPr id="22" name="직선 화살표 연결선 21">
-            <a:extLst>
-              <a:ext uri="{FF2B5EF4-FFF2-40B4-BE49-F238E27FC236}">
-                <a16:creationId xmlns:a16="http://schemas.microsoft.com/office/drawing/2014/main" id="{6AC4B470-1263-43F6-8056-701ABCA020E9}"/>
-              </a:ext>
-            </a:extLst>
-          </p:cNvPr>
-          <p:cNvCxnSpPr>
-            <a:stCxn id="32" idx="2"/>
-            <a:endCxn id="29" idx="0"/>
-          </p:cNvCxnSpPr>
-          <p:nvPr/>
-        </p:nvCxnSpPr>
-        <p:spPr>
-          <a:xfrm>
-            <a:off x="2609214" y="2840341"/>
-            <a:ext cx="0" cy="901877"/>
-          </a:xfrm>
-          <a:prstGeom prst="straightConnector1">
-            <a:avLst/>
-          </a:prstGeom>
-          <a:ln w="25400">
-            <a:headEnd type="arrow" w="lg" len="lg"/>
-            <a:tailEnd type="arrow" w="lg" len="lg"/>
-          </a:ln>
-          <a:effectLst>
-            <a:outerShdw blurRad="50800" dist="50800" dir="5400000" algn="ctr" rotWithShape="0">
-              <a:srgbClr val="000000">
-                <a:alpha val="43137"/>
-              </a:srgbClr>
-            </a:outerShdw>
-          </a:effectLst>
-        </p:spPr>
-        <p:style>
-          <a:lnRef idx="1">
-            <a:schemeClr val="accent1"/>
-          </a:lnRef>
-          <a:fillRef idx="0">
-            <a:schemeClr val="accent1"/>
-          </a:fillRef>
-          <a:effectRef idx="0">
-            <a:schemeClr val="accent1"/>
-          </a:effectRef>
-          <a:fontRef idx="minor">
-            <a:schemeClr val="tx1"/>
-          </a:fontRef>
-        </p:style>
-      </p:cxnSp>
-      <p:cxnSp>
-        <p:nvCxnSpPr>
-          <p:cNvPr id="23" name="직선 화살표 연결선 22">
-            <a:extLst>
-              <a:ext uri="{FF2B5EF4-FFF2-40B4-BE49-F238E27FC236}">
-                <a16:creationId xmlns:a16="http://schemas.microsoft.com/office/drawing/2014/main" id="{18C3185B-C11A-4417-9196-36287CCA6C4B}"/>
-              </a:ext>
-            </a:extLst>
-          </p:cNvPr>
-          <p:cNvCxnSpPr>
-            <a:cxnSpLocks/>
-            <a:stCxn id="29" idx="3"/>
-            <a:endCxn id="35" idx="1"/>
-          </p:cNvCxnSpPr>
-          <p:nvPr/>
-        </p:nvCxnSpPr>
-        <p:spPr>
-          <a:xfrm flipV="1">
-            <a:off x="3989560" y="4865602"/>
-            <a:ext cx="762571" cy="1"/>
-          </a:xfrm>
-          <a:prstGeom prst="straightConnector1">
-            <a:avLst/>
-          </a:prstGeom>
-          <a:ln w="25400">
-            <a:headEnd type="arrow" w="lg" len="lg"/>
-            <a:tailEnd type="arrow" w="lg" len="lg"/>
-          </a:ln>
-          <a:effectLst>
-            <a:outerShdw blurRad="50800" dist="50800" dir="5400000" algn="ctr" rotWithShape="0">
-              <a:srgbClr val="000000">
-                <a:alpha val="43137"/>
-              </a:srgbClr>
-            </a:outerShdw>
-          </a:effectLst>
-        </p:spPr>
-        <p:style>
-          <a:lnRef idx="1">
-            <a:schemeClr val="accent1"/>
-          </a:lnRef>
-          <a:fillRef idx="0">
-            <a:schemeClr val="accent1"/>
-          </a:fillRef>
-          <a:effectRef idx="0">
-            <a:schemeClr val="accent1"/>
-          </a:effectRef>
-          <a:fontRef idx="minor">
-            <a:schemeClr val="tx1"/>
-          </a:fontRef>
-        </p:style>
-      </p:cxnSp>
-      <p:cxnSp>
-        <p:nvCxnSpPr>
-          <p:cNvPr id="24" name="직선 화살표 연결선 23">
-            <a:extLst>
-              <a:ext uri="{FF2B5EF4-FFF2-40B4-BE49-F238E27FC236}">
-                <a16:creationId xmlns:a16="http://schemas.microsoft.com/office/drawing/2014/main" id="{7124534E-F5B2-4CC8-9147-9937568DFBF0}"/>
-              </a:ext>
-            </a:extLst>
-          </p:cNvPr>
-          <p:cNvCxnSpPr>
-            <a:cxnSpLocks/>
-            <a:stCxn id="35" idx="3"/>
-            <a:endCxn id="39" idx="1"/>
-          </p:cNvCxnSpPr>
-          <p:nvPr/>
-        </p:nvCxnSpPr>
-        <p:spPr>
-          <a:xfrm>
-            <a:off x="7150150" y="4865602"/>
-            <a:ext cx="766798" cy="0"/>
-          </a:xfrm>
-          <a:prstGeom prst="straightConnector1">
-            <a:avLst/>
-          </a:prstGeom>
-          <a:ln w="25400">
-            <a:headEnd type="arrow" w="lg" len="lg"/>
-            <a:tailEnd type="arrow" w="lg" len="lg"/>
-          </a:ln>
-          <a:effectLst>
-            <a:outerShdw blurRad="50800" dist="50800" dir="5400000" algn="ctr" rotWithShape="0">
-              <a:srgbClr val="000000">
-                <a:alpha val="43137"/>
-              </a:srgbClr>
-            </a:outerShdw>
-          </a:effectLst>
-        </p:spPr>
-        <p:style>
-          <a:lnRef idx="1">
-            <a:schemeClr val="accent1"/>
-          </a:lnRef>
-          <a:fillRef idx="0">
-            <a:schemeClr val="accent1"/>
-          </a:fillRef>
-          <a:effectRef idx="0">
-            <a:schemeClr val="accent1"/>
-          </a:effectRef>
-          <a:fontRef idx="minor">
-            <a:schemeClr val="tx1"/>
-          </a:fontRef>
-        </p:style>
-      </p:cxnSp>
-      <p:cxnSp>
-        <p:nvCxnSpPr>
-          <p:cNvPr id="25" name="연결선: 꺾임 24">
-            <a:extLst>
-              <a:ext uri="{FF2B5EF4-FFF2-40B4-BE49-F238E27FC236}">
-                <a16:creationId xmlns:a16="http://schemas.microsoft.com/office/drawing/2014/main" id="{7E29A358-B0A1-432C-AAB9-FC8256A130C6}"/>
-              </a:ext>
-            </a:extLst>
-          </p:cNvPr>
-          <p:cNvCxnSpPr>
-            <a:cxnSpLocks/>
-            <a:endCxn id="35" idx="0"/>
-          </p:cNvCxnSpPr>
-          <p:nvPr/>
-        </p:nvCxnSpPr>
-        <p:spPr>
-          <a:xfrm>
-            <a:off x="3696339" y="2014331"/>
-            <a:ext cx="2254802" cy="1512443"/>
-          </a:xfrm>
-          <a:prstGeom prst="bentConnector2">
-            <a:avLst/>
-          </a:prstGeom>
-          <a:ln w="25400">
-            <a:headEnd type="arrow" w="lg" len="lg"/>
-            <a:tailEnd type="arrow" w="lg" len="lg"/>
-          </a:ln>
-          <a:effectLst>
-            <a:outerShdw blurRad="50800" dist="50800" dir="5400000" algn="ctr" rotWithShape="0">
-              <a:srgbClr val="000000">
-                <a:alpha val="43137"/>
-              </a:srgbClr>
-            </a:outerShdw>
-          </a:effectLst>
-        </p:spPr>
-        <p:style>
-          <a:lnRef idx="1">
-            <a:schemeClr val="accent1"/>
-          </a:lnRef>
-          <a:fillRef idx="0">
-            <a:schemeClr val="accent1"/>
-          </a:fillRef>
-          <a:effectRef idx="0">
-            <a:schemeClr val="accent1"/>
-          </a:effectRef>
-          <a:fontRef idx="minor">
-            <a:schemeClr val="tx1"/>
-          </a:fontRef>
-        </p:style>
-      </p:cxnSp>
-      <p:cxnSp>
-        <p:nvCxnSpPr>
-          <p:cNvPr id="27" name="연결선: 꺾임 26">
-            <a:extLst>
-              <a:ext uri="{FF2B5EF4-FFF2-40B4-BE49-F238E27FC236}">
-                <a16:creationId xmlns:a16="http://schemas.microsoft.com/office/drawing/2014/main" id="{390C3DB2-9D9B-47A7-BB47-09134A3F4888}"/>
-              </a:ext>
-            </a:extLst>
-          </p:cNvPr>
-          <p:cNvCxnSpPr>
-            <a:cxnSpLocks/>
-            <a:stCxn id="39" idx="2"/>
-            <a:endCxn id="39" idx="3"/>
-          </p:cNvCxnSpPr>
-          <p:nvPr/>
-        </p:nvCxnSpPr>
-        <p:spPr>
-          <a:xfrm rot="5400000" flipH="1" flipV="1">
-            <a:off x="9197476" y="4920943"/>
-            <a:ext cx="1446550" cy="1335868"/>
-          </a:xfrm>
-          <a:prstGeom prst="bentConnector4">
-            <a:avLst>
-              <a:gd name="adj1" fmla="val -21300"/>
-              <a:gd name="adj2" fmla="val 131000"/>
-            </a:avLst>
-          </a:prstGeom>
-          <a:ln w="25400">
-            <a:tailEnd type="arrow" w="lg" len="lg"/>
-          </a:ln>
-          <a:effectLst>
-            <a:outerShdw blurRad="50800" dist="50800" dir="5400000" algn="ctr" rotWithShape="0">
-              <a:srgbClr val="000000">
-                <a:alpha val="43137"/>
-              </a:srgbClr>
-            </a:outerShdw>
-          </a:effectLst>
-        </p:spPr>
-        <p:style>
-          <a:lnRef idx="1">
-            <a:schemeClr val="accent1"/>
-          </a:lnRef>
-          <a:fillRef idx="0">
-            <a:schemeClr val="accent1"/>
-          </a:fillRef>
-          <a:effectRef idx="0">
-            <a:schemeClr val="accent1"/>
-          </a:effectRef>
-          <a:fontRef idx="minor">
-            <a:schemeClr val="tx1"/>
-          </a:fontRef>
-        </p:style>
-      </p:cxnSp>
       <p:grpSp>
         <p:nvGrpSpPr>
           <p:cNvPr id="28" name="그룹 27">
@@ -3609,9 +3355,9 @@
         <p:grpSpPr>
           <a:xfrm>
             <a:off x="1228868" y="3742218"/>
-            <a:ext cx="2760692" cy="2246769"/>
+            <a:ext cx="2760692" cy="2031325"/>
             <a:chOff x="1228868" y="3742218"/>
-            <a:chExt cx="2760692" cy="2246769"/>
+            <a:chExt cx="2760692" cy="2031325"/>
           </a:xfrm>
         </p:grpSpPr>
         <p:sp>
@@ -3629,7 +3375,7 @@
           <p:spPr>
             <a:xfrm>
               <a:off x="1228868" y="3742218"/>
-              <a:ext cx="2760692" cy="2246769"/>
+              <a:ext cx="2760692" cy="2031325"/>
             </a:xfrm>
             <a:prstGeom prst="rect">
               <a:avLst/>
@@ -3744,27 +3490,9 @@
                 <a:rPr lang="en-US" altLang="ko-KR" sz="1400" dirty="0"/>
                 <a:t>– description</a:t>
               </a:r>
-            </a:p>
-            <a:p>
-              <a:r>
-                <a:rPr lang="ko-KR" altLang="en-US" sz="1400" dirty="0" err="1"/>
-                <a:t>게시판이미지</a:t>
-              </a:r>
-              <a:r>
-                <a:rPr lang="ko-KR" altLang="en-US" sz="1400" dirty="0"/>
-                <a:t> </a:t>
-              </a:r>
-              <a:r>
+              <a:br>
                 <a:rPr lang="en-US" altLang="ko-KR" sz="1400" dirty="0"/>
-                <a:t>- </a:t>
-              </a:r>
-              <a:r>
-                <a:rPr lang="en-US" altLang="ko-KR" sz="1400" dirty="0" err="1"/>
-                <a:t>communityIcon</a:t>
-              </a:r>
-              <a:endParaRPr lang="en-US" altLang="ko-KR" sz="1400" dirty="0"/>
-            </a:p>
-            <a:p>
+              </a:br>
               <a:r>
                 <a:rPr lang="ko-KR" altLang="en-US" sz="1400" dirty="0"/>
                 <a:t>생성일자 </a:t>
@@ -4077,9 +3805,9 @@
         <p:grpSpPr>
           <a:xfrm>
             <a:off x="4752131" y="3526774"/>
-            <a:ext cx="2398019" cy="2677656"/>
+            <a:ext cx="2398019" cy="2893100"/>
             <a:chOff x="4752131" y="3526774"/>
-            <a:chExt cx="2398019" cy="2677656"/>
+            <a:chExt cx="2398019" cy="2893100"/>
           </a:xfrm>
         </p:grpSpPr>
         <p:sp>
@@ -4097,7 +3825,7 @@
           <p:spPr>
             <a:xfrm>
               <a:off x="4752131" y="3526774"/>
-              <a:ext cx="2398019" cy="2677656"/>
+              <a:ext cx="2398019" cy="2893100"/>
             </a:xfrm>
             <a:prstGeom prst="rect">
               <a:avLst/>
@@ -4178,6 +3906,13 @@
               <a:r>
                 <a:rPr lang="en-US" altLang="ko-KR" sz="1400" dirty="0" err="1"/>
                 <a:t>postType</a:t>
+              </a:r>
+              <a:endParaRPr lang="en-US" altLang="ko-KR" sz="1400" dirty="0"/>
+            </a:p>
+            <a:p>
+              <a:r>
+                <a:rPr lang="ko-KR" altLang="en-US" sz="1400" dirty="0" err="1"/>
+                <a:t>게시글상태</a:t>
               </a:r>
               <a:endParaRPr lang="en-US" altLang="ko-KR" sz="1400" dirty="0"/>
             </a:p>
@@ -4630,252 +4365,6 @@
           </p:style>
         </p:cxnSp>
       </p:grpSp>
-      <p:grpSp>
-        <p:nvGrpSpPr>
-          <p:cNvPr id="20" name="그룹 19">
-            <a:extLst>
-              <a:ext uri="{FF2B5EF4-FFF2-40B4-BE49-F238E27FC236}">
-                <a16:creationId xmlns:a16="http://schemas.microsoft.com/office/drawing/2014/main" id="{DFFCBF96-64C0-470B-BC72-9E3E9B7C56C0}"/>
-              </a:ext>
-            </a:extLst>
-          </p:cNvPr>
-          <p:cNvGrpSpPr/>
-          <p:nvPr/>
-        </p:nvGrpSpPr>
-        <p:grpSpPr>
-          <a:xfrm>
-            <a:off x="7872470" y="622539"/>
-            <a:ext cx="2760692" cy="2246769"/>
-            <a:chOff x="1228868" y="3742218"/>
-            <a:chExt cx="2760692" cy="2246769"/>
-          </a:xfrm>
-        </p:grpSpPr>
-        <p:sp>
-          <p:nvSpPr>
-            <p:cNvPr id="21" name="TextBox 20">
-              <a:extLst>
-                <a:ext uri="{FF2B5EF4-FFF2-40B4-BE49-F238E27FC236}">
-                  <a16:creationId xmlns:a16="http://schemas.microsoft.com/office/drawing/2014/main" id="{8CF9EBC5-4595-4A31-8B80-3E8A638A57B8}"/>
-                </a:ext>
-              </a:extLst>
-            </p:cNvPr>
-            <p:cNvSpPr txBox="1"/>
-            <p:nvPr/>
-          </p:nvSpPr>
-          <p:spPr>
-            <a:xfrm>
-              <a:off x="1228868" y="3742218"/>
-              <a:ext cx="2760692" cy="2246769"/>
-            </a:xfrm>
-            <a:prstGeom prst="rect">
-              <a:avLst/>
-            </a:prstGeom>
-            <a:solidFill>
-              <a:schemeClr val="bg1"/>
-            </a:solidFill>
-            <a:ln>
-              <a:solidFill>
-                <a:schemeClr val="tx1"/>
-              </a:solidFill>
-            </a:ln>
-            <a:effectLst>
-              <a:outerShdw blurRad="57785" dist="33020" dir="3180000" algn="ctr">
-                <a:srgbClr val="000000">
-                  <a:alpha val="30000"/>
-                </a:srgbClr>
-              </a:outerShdw>
-            </a:effectLst>
-            <a:scene3d>
-              <a:camera prst="orthographicFront">
-                <a:rot lat="0" lon="0" rev="0"/>
-              </a:camera>
-              <a:lightRig rig="brightRoom" dir="t">
-                <a:rot lat="0" lon="0" rev="600000"/>
-              </a:lightRig>
-            </a:scene3d>
-            <a:sp3d prstMaterial="metal">
-              <a:bevelT w="38100" h="57150" prst="angle"/>
-            </a:sp3d>
-          </p:spPr>
-          <p:txBody>
-            <a:bodyPr wrap="square" rtlCol="0">
-              <a:spAutoFit/>
-            </a:bodyPr>
-            <a:lstStyle/>
-            <a:p>
-              <a:pPr algn="ctr"/>
-              <a:r>
-                <a:rPr lang="ko-KR" altLang="en-US" sz="1400" dirty="0"/>
-                <a:t>게시판 </a:t>
-              </a:r>
-              <a:r>
-                <a:rPr lang="en-US" altLang="ko-KR" sz="1400" dirty="0"/>
-                <a:t>– community</a:t>
-              </a:r>
-            </a:p>
-            <a:p>
-              <a:endParaRPr lang="en-US" altLang="ko-KR" sz="1400" dirty="0"/>
-            </a:p>
-            <a:p>
-              <a:r>
-                <a:rPr lang="ko-KR" altLang="en-US" sz="1400" dirty="0"/>
-                <a:t>게시판번호 </a:t>
-              </a:r>
-              <a:r>
-                <a:rPr lang="en-US" altLang="ko-KR" sz="1400" dirty="0"/>
-                <a:t>– id</a:t>
-              </a:r>
-            </a:p>
-            <a:p>
-              <a:r>
-                <a:rPr lang="ko-KR" altLang="en-US" sz="1400" dirty="0"/>
-                <a:t>게시판타입 </a:t>
-              </a:r>
-              <a:r>
-                <a:rPr lang="en-US" altLang="ko-KR" sz="1400" dirty="0"/>
-                <a:t>– </a:t>
-              </a:r>
-              <a:r>
-                <a:rPr lang="en-US" altLang="ko-KR" sz="1400" dirty="0" err="1"/>
-                <a:t>communityType</a:t>
-              </a:r>
-              <a:endParaRPr lang="en-US" altLang="ko-KR" sz="1400" dirty="0"/>
-            </a:p>
-            <a:p>
-              <a:r>
-                <a:rPr lang="ko-KR" altLang="en-US" sz="1400" dirty="0"/>
-                <a:t>유저 </a:t>
-              </a:r>
-              <a:r>
-                <a:rPr lang="en-US" altLang="ko-KR" sz="1400" dirty="0"/>
-                <a:t>- </a:t>
-              </a:r>
-              <a:r>
-                <a:rPr lang="en-US" altLang="ko-KR" sz="1400" dirty="0" err="1"/>
-                <a:t>userId</a:t>
-              </a:r>
-              <a:endParaRPr lang="en-US" altLang="ko-KR" sz="1400" dirty="0"/>
-            </a:p>
-            <a:p>
-              <a:r>
-                <a:rPr lang="ko-KR" altLang="en-US" sz="1400" dirty="0"/>
-                <a:t>게시판이름 </a:t>
-              </a:r>
-              <a:r>
-                <a:rPr lang="en-US" altLang="ko-KR" sz="1400" dirty="0"/>
-                <a:t>– </a:t>
-              </a:r>
-              <a:r>
-                <a:rPr lang="en-US" altLang="ko-KR" sz="1400" dirty="0" err="1"/>
-                <a:t>communityName</a:t>
-              </a:r>
-              <a:endParaRPr lang="en-US" altLang="ko-KR" sz="1400" dirty="0"/>
-            </a:p>
-            <a:p>
-              <a:r>
-                <a:rPr lang="ko-KR" altLang="en-US" sz="1400" dirty="0"/>
-                <a:t>게시판설명 </a:t>
-              </a:r>
-              <a:r>
-                <a:rPr lang="en-US" altLang="ko-KR" sz="1400" dirty="0"/>
-                <a:t>– description</a:t>
-              </a:r>
-            </a:p>
-            <a:p>
-              <a:r>
-                <a:rPr lang="ko-KR" altLang="en-US" sz="1400" dirty="0" err="1"/>
-                <a:t>게시판이미지</a:t>
-              </a:r>
-              <a:r>
-                <a:rPr lang="ko-KR" altLang="en-US" sz="1400" dirty="0"/>
-                <a:t> </a:t>
-              </a:r>
-              <a:r>
-                <a:rPr lang="en-US" altLang="ko-KR" sz="1400" dirty="0"/>
-                <a:t>- </a:t>
-              </a:r>
-              <a:r>
-                <a:rPr lang="en-US" altLang="ko-KR" sz="1400" dirty="0" err="1"/>
-                <a:t>communityIcon</a:t>
-              </a:r>
-              <a:endParaRPr lang="en-US" altLang="ko-KR" sz="1400" dirty="0"/>
-            </a:p>
-            <a:p>
-              <a:r>
-                <a:rPr lang="ko-KR" altLang="en-US" sz="1400" dirty="0"/>
-                <a:t>생성일자 </a:t>
-              </a:r>
-              <a:r>
-                <a:rPr lang="en-US" altLang="ko-KR" sz="1400" dirty="0"/>
-                <a:t>– </a:t>
-              </a:r>
-              <a:r>
-                <a:rPr lang="en-US" altLang="ko-KR" sz="1400" dirty="0" err="1"/>
-                <a:t>createdDate</a:t>
-              </a:r>
-              <a:endParaRPr lang="en-US" altLang="ko-KR" sz="1400" dirty="0"/>
-            </a:p>
-            <a:p>
-              <a:r>
-                <a:rPr lang="ko-KR" altLang="en-US" sz="1400" dirty="0"/>
-                <a:t>수정일자 </a:t>
-              </a:r>
-              <a:r>
-                <a:rPr lang="en-US" altLang="ko-KR" sz="1400" dirty="0"/>
-                <a:t>– </a:t>
-              </a:r>
-              <a:r>
-                <a:rPr lang="en-US" altLang="ko-KR" sz="1400" dirty="0" err="1"/>
-                <a:t>updatedDate</a:t>
-              </a:r>
-              <a:endParaRPr lang="en-US" altLang="ko-KR" sz="1400" dirty="0"/>
-            </a:p>
-          </p:txBody>
-        </p:sp>
-        <p:cxnSp>
-          <p:nvCxnSpPr>
-            <p:cNvPr id="38" name="직선 연결선 37">
-              <a:extLst>
-                <a:ext uri="{FF2B5EF4-FFF2-40B4-BE49-F238E27FC236}">
-                  <a16:creationId xmlns:a16="http://schemas.microsoft.com/office/drawing/2014/main" id="{915ABEB5-3558-40C4-A384-D889E6F7FC00}"/>
-                </a:ext>
-              </a:extLst>
-            </p:cNvPr>
-            <p:cNvCxnSpPr>
-              <a:cxnSpLocks/>
-            </p:cNvCxnSpPr>
-            <p:nvPr/>
-          </p:nvCxnSpPr>
-          <p:spPr>
-            <a:xfrm>
-              <a:off x="1228868" y="4030716"/>
-              <a:ext cx="2760692" cy="0"/>
-            </a:xfrm>
-            <a:prstGeom prst="line">
-              <a:avLst/>
-            </a:prstGeom>
-            <a:ln>
-              <a:solidFill>
-                <a:schemeClr val="tx1"/>
-              </a:solidFill>
-            </a:ln>
-          </p:spPr>
-          <p:style>
-            <a:lnRef idx="1">
-              <a:schemeClr val="accent1"/>
-            </a:lnRef>
-            <a:fillRef idx="0">
-              <a:schemeClr val="accent1"/>
-            </a:fillRef>
-            <a:effectRef idx="0">
-              <a:schemeClr val="accent1"/>
-            </a:effectRef>
-            <a:fontRef idx="minor">
-              <a:schemeClr val="tx1"/>
-            </a:fontRef>
-          </p:style>
-        </p:cxnSp>
-      </p:grpSp>
     </p:spTree>
     <p:extLst>
       <p:ext uri="{BB962C8B-B14F-4D97-AF65-F5344CB8AC3E}">
@@ -4920,7 +4409,7 @@
         </p:nvSpPr>
         <p:spPr>
           <a:xfrm>
-            <a:off x="0" y="253209"/>
+            <a:off x="0" y="12263"/>
             <a:ext cx="5513048" cy="3323987"/>
           </a:xfrm>
           <a:prstGeom prst="rect">
@@ -5856,7 +5345,7 @@
           <a:p>
             <a:r>
               <a:rPr lang="ko-KR" altLang="en-US" sz="1400" dirty="0"/>
-              <a:t>게시 글</a:t>
+              <a:t>게시글</a:t>
             </a:r>
             <a:endParaRPr lang="en-US" altLang="ko-KR" sz="1400" dirty="0"/>
           </a:p>
@@ -6032,6 +5521,127 @@
 </file>
 
 <file path=ppt/slides/slide3.xml><?xml version="1.0" encoding="utf-8"?>
+<p:sld xmlns:a="http://schemas.openxmlformats.org/drawingml/2006/main" xmlns:r="http://schemas.openxmlformats.org/officeDocument/2006/relationships" xmlns:p="http://schemas.openxmlformats.org/presentationml/2006/main">
+  <p:cSld>
+    <p:spTree>
+      <p:nvGrpSpPr>
+        <p:cNvPr id="1" name=""/>
+        <p:cNvGrpSpPr/>
+        <p:nvPr/>
+      </p:nvGrpSpPr>
+      <p:grpSpPr>
+        <a:xfrm>
+          <a:off x="0" y="0"/>
+          <a:ext cx="0" cy="0"/>
+          <a:chOff x="0" y="0"/>
+          <a:chExt cx="0" cy="0"/>
+        </a:xfrm>
+      </p:grpSpPr>
+      <p:sp>
+        <p:nvSpPr>
+          <p:cNvPr id="5" name="TextBox 4">
+            <a:extLst>
+              <a:ext uri="{FF2B5EF4-FFF2-40B4-BE49-F238E27FC236}">
+                <a16:creationId xmlns:a16="http://schemas.microsoft.com/office/drawing/2014/main" id="{E77E1207-2907-4DCC-ABE1-910E28E19ED8}"/>
+              </a:ext>
+            </a:extLst>
+          </p:cNvPr>
+          <p:cNvSpPr txBox="1"/>
+          <p:nvPr/>
+        </p:nvSpPr>
+        <p:spPr>
+          <a:xfrm>
+            <a:off x="720436" y="706582"/>
+            <a:ext cx="2650084" cy="1169551"/>
+          </a:xfrm>
+          <a:prstGeom prst="rect">
+            <a:avLst/>
+          </a:prstGeom>
+          <a:noFill/>
+        </p:spPr>
+        <p:txBody>
+          <a:bodyPr wrap="none" rtlCol="0">
+            <a:spAutoFit/>
+          </a:bodyPr>
+          <a:lstStyle/>
+          <a:p>
+            <a:r>
+              <a:rPr lang="ko-KR" altLang="en-US" sz="1400" dirty="0"/>
+              <a:t>게시판</a:t>
+            </a:r>
+            <a:endParaRPr lang="en-US" altLang="ko-KR" sz="1400" dirty="0"/>
+          </a:p>
+          <a:p>
+            <a:pPr marL="285750" indent="-285750">
+              <a:buFontTx/>
+              <a:buChar char="-"/>
+            </a:pPr>
+            <a:r>
+              <a:rPr lang="ko-KR" altLang="en-US" sz="1400" dirty="0"/>
+              <a:t>유저게시판</a:t>
+            </a:r>
+            <a:endParaRPr lang="en-US" altLang="ko-KR" sz="1400" dirty="0"/>
+          </a:p>
+          <a:p>
+            <a:pPr marL="742950" lvl="1" indent="-285750">
+              <a:buFontTx/>
+              <a:buChar char="-"/>
+            </a:pPr>
+            <a:r>
+              <a:rPr lang="ko-KR" altLang="en-US" sz="1400" dirty="0"/>
+              <a:t>관리자 </a:t>
+            </a:r>
+            <a:r>
+              <a:rPr lang="en-US" altLang="ko-KR" sz="1400" dirty="0"/>
+              <a:t>– </a:t>
+            </a:r>
+            <a:r>
+              <a:rPr lang="ko-KR" altLang="en-US" sz="1400" dirty="0"/>
+              <a:t>게시판 쓰기</a:t>
+            </a:r>
+            <a:endParaRPr lang="en-US" altLang="ko-KR" sz="1400" dirty="0"/>
+          </a:p>
+          <a:p>
+            <a:pPr marL="742950" lvl="1" indent="-285750">
+              <a:buFontTx/>
+              <a:buChar char="-"/>
+            </a:pPr>
+            <a:r>
+              <a:rPr lang="ko-KR" altLang="en-US" sz="1400" dirty="0"/>
+              <a:t>유저</a:t>
+            </a:r>
+            <a:r>
+              <a:rPr lang="en-US" altLang="ko-KR" sz="1400" dirty="0"/>
+              <a:t> - </a:t>
+            </a:r>
+          </a:p>
+          <a:p>
+            <a:pPr marL="285750" indent="-285750">
+              <a:buFontTx/>
+              <a:buChar char="-"/>
+            </a:pPr>
+            <a:r>
+              <a:rPr lang="ko-KR" altLang="en-US" sz="1400" dirty="0"/>
+              <a:t>커뮤니티게시판</a:t>
+            </a:r>
+            <a:endParaRPr lang="en-US" altLang="ko-KR" sz="1400" dirty="0"/>
+          </a:p>
+        </p:txBody>
+      </p:sp>
+    </p:spTree>
+    <p:extLst>
+      <p:ext uri="{BB962C8B-B14F-4D97-AF65-F5344CB8AC3E}">
+        <p14:creationId xmlns:p14="http://schemas.microsoft.com/office/powerpoint/2010/main" val="2543263580"/>
+      </p:ext>
+    </p:extLst>
+  </p:cSld>
+  <p:clrMapOvr>
+    <a:masterClrMapping/>
+  </p:clrMapOvr>
+</p:sld>
+</file>
+
+<file path=ppt/slides/slide4.xml><?xml version="1.0" encoding="utf-8"?>
 <p:sld xmlns:a="http://schemas.openxmlformats.org/drawingml/2006/main" xmlns:r="http://schemas.openxmlformats.org/officeDocument/2006/relationships" xmlns:p="http://schemas.openxmlformats.org/presentationml/2006/main">
   <p:cSld>
     <p:spTree>
@@ -6111,7 +5721,19 @@
             <a:lstStyle/>
             <a:p>
               <a:pPr algn="ctr"/>
-              <a:endParaRPr lang="ko-KR" altLang="en-US"/>
+              <a:r>
+                <a:rPr lang="en-US" altLang="ko-KR" dirty="0">
+                  <a:solidFill>
+                    <a:schemeClr val="tx1"/>
+                  </a:solidFill>
+                </a:rPr>
+                <a:t>aside</a:t>
+              </a:r>
+              <a:endParaRPr lang="ko-KR" altLang="en-US" dirty="0">
+                <a:solidFill>
+                  <a:schemeClr val="tx1"/>
+                </a:solidFill>
+              </a:endParaRPr>
             </a:p>
           </p:txBody>
         </p:sp>
@@ -6158,7 +5780,19 @@
             <a:lstStyle/>
             <a:p>
               <a:pPr algn="ctr"/>
-              <a:endParaRPr lang="ko-KR" altLang="en-US"/>
+              <a:r>
+                <a:rPr lang="en-US" altLang="ko-KR" dirty="0">
+                  <a:solidFill>
+                    <a:schemeClr val="tx1"/>
+                  </a:solidFill>
+                </a:rPr>
+                <a:t>header</a:t>
+              </a:r>
+              <a:endParaRPr lang="ko-KR" altLang="en-US" dirty="0">
+                <a:solidFill>
+                  <a:schemeClr val="tx1"/>
+                </a:solidFill>
+              </a:endParaRPr>
             </a:p>
           </p:txBody>
         </p:sp>
@@ -6205,7 +5839,19 @@
             <a:lstStyle/>
             <a:p>
               <a:pPr algn="ctr"/>
-              <a:endParaRPr lang="ko-KR" altLang="en-US"/>
+              <a:r>
+                <a:rPr lang="en-US" altLang="ko-KR" dirty="0">
+                  <a:solidFill>
+                    <a:schemeClr val="tx1"/>
+                  </a:solidFill>
+                </a:rPr>
+                <a:t>section</a:t>
+              </a:r>
+              <a:endParaRPr lang="ko-KR" altLang="en-US" dirty="0">
+                <a:solidFill>
+                  <a:schemeClr val="tx1"/>
+                </a:solidFill>
+              </a:endParaRPr>
             </a:p>
           </p:txBody>
         </p:sp>

--- a/chatbot/db 구성.pptx
+++ b/chatbot/db 구성.pptx
@@ -9,6 +9,7 @@
     <p:sldId id="257" r:id="rId3"/>
     <p:sldId id="259" r:id="rId4"/>
     <p:sldId id="258" r:id="rId5"/>
+    <p:sldId id="260" r:id="rId6"/>
   </p:sldIdLst>
   <p:sldSz cx="12192000" cy="6858000"/>
   <p:notesSz cx="6858000" cy="9144000"/>
@@ -273,7 +274,7 @@
           <a:p>
             <a:fld id="{B9975B3A-C53D-4B62-9F6E-D0A169495C83}" type="datetimeFigureOut">
               <a:rPr lang="ko-KR" altLang="en-US" smtClean="0"/>
-              <a:t>2024-05-28</a:t>
+              <a:t>2024-05-29</a:t>
             </a:fld>
             <a:endParaRPr lang="ko-KR" altLang="en-US"/>
           </a:p>
@@ -471,7 +472,7 @@
           <a:p>
             <a:fld id="{B9975B3A-C53D-4B62-9F6E-D0A169495C83}" type="datetimeFigureOut">
               <a:rPr lang="ko-KR" altLang="en-US" smtClean="0"/>
-              <a:t>2024-05-28</a:t>
+              <a:t>2024-05-29</a:t>
             </a:fld>
             <a:endParaRPr lang="ko-KR" altLang="en-US"/>
           </a:p>
@@ -679,7 +680,7 @@
           <a:p>
             <a:fld id="{B9975B3A-C53D-4B62-9F6E-D0A169495C83}" type="datetimeFigureOut">
               <a:rPr lang="ko-KR" altLang="en-US" smtClean="0"/>
-              <a:t>2024-05-28</a:t>
+              <a:t>2024-05-29</a:t>
             </a:fld>
             <a:endParaRPr lang="ko-KR" altLang="en-US"/>
           </a:p>
@@ -877,7 +878,7 @@
           <a:p>
             <a:fld id="{B9975B3A-C53D-4B62-9F6E-D0A169495C83}" type="datetimeFigureOut">
               <a:rPr lang="ko-KR" altLang="en-US" smtClean="0"/>
-              <a:t>2024-05-28</a:t>
+              <a:t>2024-05-29</a:t>
             </a:fld>
             <a:endParaRPr lang="ko-KR" altLang="en-US"/>
           </a:p>
@@ -1152,7 +1153,7 @@
           <a:p>
             <a:fld id="{B9975B3A-C53D-4B62-9F6E-D0A169495C83}" type="datetimeFigureOut">
               <a:rPr lang="ko-KR" altLang="en-US" smtClean="0"/>
-              <a:t>2024-05-28</a:t>
+              <a:t>2024-05-29</a:t>
             </a:fld>
             <a:endParaRPr lang="ko-KR" altLang="en-US"/>
           </a:p>
@@ -1417,7 +1418,7 @@
           <a:p>
             <a:fld id="{B9975B3A-C53D-4B62-9F6E-D0A169495C83}" type="datetimeFigureOut">
               <a:rPr lang="ko-KR" altLang="en-US" smtClean="0"/>
-              <a:t>2024-05-28</a:t>
+              <a:t>2024-05-29</a:t>
             </a:fld>
             <a:endParaRPr lang="ko-KR" altLang="en-US"/>
           </a:p>
@@ -1829,7 +1830,7 @@
           <a:p>
             <a:fld id="{B9975B3A-C53D-4B62-9F6E-D0A169495C83}" type="datetimeFigureOut">
               <a:rPr lang="ko-KR" altLang="en-US" smtClean="0"/>
-              <a:t>2024-05-28</a:t>
+              <a:t>2024-05-29</a:t>
             </a:fld>
             <a:endParaRPr lang="ko-KR" altLang="en-US"/>
           </a:p>
@@ -1970,7 +1971,7 @@
           <a:p>
             <a:fld id="{B9975B3A-C53D-4B62-9F6E-D0A169495C83}" type="datetimeFigureOut">
               <a:rPr lang="ko-KR" altLang="en-US" smtClean="0"/>
-              <a:t>2024-05-28</a:t>
+              <a:t>2024-05-29</a:t>
             </a:fld>
             <a:endParaRPr lang="ko-KR" altLang="en-US"/>
           </a:p>
@@ -2083,7 +2084,7 @@
           <a:p>
             <a:fld id="{B9975B3A-C53D-4B62-9F6E-D0A169495C83}" type="datetimeFigureOut">
               <a:rPr lang="ko-KR" altLang="en-US" smtClean="0"/>
-              <a:t>2024-05-28</a:t>
+              <a:t>2024-05-29</a:t>
             </a:fld>
             <a:endParaRPr lang="ko-KR" altLang="en-US"/>
           </a:p>
@@ -2394,7 +2395,7 @@
           <a:p>
             <a:fld id="{B9975B3A-C53D-4B62-9F6E-D0A169495C83}" type="datetimeFigureOut">
               <a:rPr lang="ko-KR" altLang="en-US" smtClean="0"/>
-              <a:t>2024-05-28</a:t>
+              <a:t>2024-05-29</a:t>
             </a:fld>
             <a:endParaRPr lang="ko-KR" altLang="en-US"/>
           </a:p>
@@ -2682,7 +2683,7 @@
           <a:p>
             <a:fld id="{B9975B3A-C53D-4B62-9F6E-D0A169495C83}" type="datetimeFigureOut">
               <a:rPr lang="ko-KR" altLang="en-US" smtClean="0"/>
-              <a:t>2024-05-28</a:t>
+              <a:t>2024-05-29</a:t>
             </a:fld>
             <a:endParaRPr lang="ko-KR" altLang="en-US"/>
           </a:p>
@@ -2923,7 +2924,7 @@
           <a:p>
             <a:fld id="{B9975B3A-C53D-4B62-9F6E-D0A169495C83}" type="datetimeFigureOut">
               <a:rPr lang="ko-KR" altLang="en-US" smtClean="0"/>
-              <a:t>2024-05-28</a:t>
+              <a:t>2024-05-29</a:t>
             </a:fld>
             <a:endParaRPr lang="ko-KR" altLang="en-US"/>
           </a:p>
@@ -5856,10 +5857,356 @@
           </p:txBody>
         </p:sp>
       </p:grpSp>
+      <p:sp>
+        <p:nvSpPr>
+          <p:cNvPr id="8" name="직사각형 7">
+            <a:extLst>
+              <a:ext uri="{FF2B5EF4-FFF2-40B4-BE49-F238E27FC236}">
+                <a16:creationId xmlns:a16="http://schemas.microsoft.com/office/drawing/2014/main" id="{1867417C-B561-4240-8982-26085279AE7F}"/>
+              </a:ext>
+            </a:extLst>
+          </p:cNvPr>
+          <p:cNvSpPr/>
+          <p:nvPr/>
+        </p:nvSpPr>
+        <p:spPr>
+          <a:xfrm>
+            <a:off x="1288473" y="284787"/>
+            <a:ext cx="928255" cy="401270"/>
+          </a:xfrm>
+          <a:prstGeom prst="rect">
+            <a:avLst/>
+          </a:prstGeom>
+          <a:noFill/>
+        </p:spPr>
+        <p:style>
+          <a:lnRef idx="2">
+            <a:schemeClr val="accent1">
+              <a:shade val="50000"/>
+            </a:schemeClr>
+          </a:lnRef>
+          <a:fillRef idx="1">
+            <a:schemeClr val="accent1"/>
+          </a:fillRef>
+          <a:effectRef idx="0">
+            <a:schemeClr val="accent1"/>
+          </a:effectRef>
+          <a:fontRef idx="minor">
+            <a:schemeClr val="lt1"/>
+          </a:fontRef>
+        </p:style>
+        <p:txBody>
+          <a:bodyPr rtlCol="0" anchor="ctr"/>
+          <a:lstStyle/>
+          <a:p>
+            <a:pPr algn="ctr"/>
+            <a:r>
+              <a:rPr lang="en-US" altLang="ko-KR" dirty="0">
+                <a:solidFill>
+                  <a:schemeClr val="tx1"/>
+                </a:solidFill>
+              </a:rPr>
+              <a:t>button</a:t>
+            </a:r>
+            <a:endParaRPr lang="ko-KR" altLang="en-US" dirty="0">
+              <a:solidFill>
+                <a:schemeClr val="tx1"/>
+              </a:solidFill>
+            </a:endParaRPr>
+          </a:p>
+        </p:txBody>
+      </p:sp>
     </p:spTree>
     <p:extLst>
       <p:ext uri="{BB962C8B-B14F-4D97-AF65-F5344CB8AC3E}">
         <p14:creationId xmlns:p14="http://schemas.microsoft.com/office/powerpoint/2010/main" val="952590987"/>
+      </p:ext>
+    </p:extLst>
+  </p:cSld>
+  <p:clrMapOvr>
+    <a:masterClrMapping/>
+  </p:clrMapOvr>
+</p:sld>
+</file>
+
+<file path=ppt/slides/slide5.xml><?xml version="1.0" encoding="utf-8"?>
+<p:sld xmlns:a="http://schemas.openxmlformats.org/drawingml/2006/main" xmlns:r="http://schemas.openxmlformats.org/officeDocument/2006/relationships" xmlns:p="http://schemas.openxmlformats.org/presentationml/2006/main">
+  <p:cSld>
+    <p:spTree>
+      <p:nvGrpSpPr>
+        <p:cNvPr id="1" name=""/>
+        <p:cNvGrpSpPr/>
+        <p:nvPr/>
+      </p:nvGrpSpPr>
+      <p:grpSpPr>
+        <a:xfrm>
+          <a:off x="0" y="0"/>
+          <a:ext cx="0" cy="0"/>
+          <a:chOff x="0" y="0"/>
+          <a:chExt cx="0" cy="0"/>
+        </a:xfrm>
+      </p:grpSpPr>
+      <p:grpSp>
+        <p:nvGrpSpPr>
+          <p:cNvPr id="7" name="그룹 6">
+            <a:extLst>
+              <a:ext uri="{FF2B5EF4-FFF2-40B4-BE49-F238E27FC236}">
+                <a16:creationId xmlns:a16="http://schemas.microsoft.com/office/drawing/2014/main" id="{A6A2EAAC-80E8-47C7-97B0-FF3F9733129C}"/>
+              </a:ext>
+            </a:extLst>
+          </p:cNvPr>
+          <p:cNvGrpSpPr/>
+          <p:nvPr/>
+        </p:nvGrpSpPr>
+        <p:grpSpPr>
+          <a:xfrm>
+            <a:off x="0" y="0"/>
+            <a:ext cx="12192000" cy="6858000"/>
+            <a:chOff x="0" y="0"/>
+            <a:chExt cx="12192000" cy="6858000"/>
+          </a:xfrm>
+        </p:grpSpPr>
+        <p:sp>
+          <p:nvSpPr>
+            <p:cNvPr id="4" name="직사각형 3">
+              <a:extLst>
+                <a:ext uri="{FF2B5EF4-FFF2-40B4-BE49-F238E27FC236}">
+                  <a16:creationId xmlns:a16="http://schemas.microsoft.com/office/drawing/2014/main" id="{3E289B0B-FD53-4070-BB43-C401331736F9}"/>
+                </a:ext>
+              </a:extLst>
+            </p:cNvPr>
+            <p:cNvSpPr/>
+            <p:nvPr/>
+          </p:nvSpPr>
+          <p:spPr>
+            <a:xfrm>
+              <a:off x="0" y="0"/>
+              <a:ext cx="2494843" cy="6858000"/>
+            </a:xfrm>
+            <a:prstGeom prst="rect">
+              <a:avLst/>
+            </a:prstGeom>
+            <a:noFill/>
+          </p:spPr>
+          <p:style>
+            <a:lnRef idx="2">
+              <a:schemeClr val="accent1">
+                <a:shade val="50000"/>
+              </a:schemeClr>
+            </a:lnRef>
+            <a:fillRef idx="1">
+              <a:schemeClr val="accent1"/>
+            </a:fillRef>
+            <a:effectRef idx="0">
+              <a:schemeClr val="accent1"/>
+            </a:effectRef>
+            <a:fontRef idx="minor">
+              <a:schemeClr val="lt1"/>
+            </a:fontRef>
+          </p:style>
+          <p:txBody>
+            <a:bodyPr rtlCol="0" anchor="ctr"/>
+            <a:lstStyle/>
+            <a:p>
+              <a:pPr algn="ctr"/>
+              <a:r>
+                <a:rPr lang="en-US" altLang="ko-KR" dirty="0">
+                  <a:solidFill>
+                    <a:schemeClr val="tx1"/>
+                  </a:solidFill>
+                </a:rPr>
+                <a:t>aside</a:t>
+              </a:r>
+              <a:endParaRPr lang="ko-KR" altLang="en-US" dirty="0">
+                <a:solidFill>
+                  <a:schemeClr val="tx1"/>
+                </a:solidFill>
+              </a:endParaRPr>
+            </a:p>
+          </p:txBody>
+        </p:sp>
+        <p:sp>
+          <p:nvSpPr>
+            <p:cNvPr id="5" name="직사각형 4">
+              <a:extLst>
+                <a:ext uri="{FF2B5EF4-FFF2-40B4-BE49-F238E27FC236}">
+                  <a16:creationId xmlns:a16="http://schemas.microsoft.com/office/drawing/2014/main" id="{1D766786-0475-42A6-8EA0-098FCCEE2768}"/>
+                </a:ext>
+              </a:extLst>
+            </p:cNvPr>
+            <p:cNvSpPr/>
+            <p:nvPr/>
+          </p:nvSpPr>
+          <p:spPr>
+            <a:xfrm>
+              <a:off x="2494843" y="0"/>
+              <a:ext cx="9697157" cy="485422"/>
+            </a:xfrm>
+            <a:prstGeom prst="rect">
+              <a:avLst/>
+            </a:prstGeom>
+            <a:noFill/>
+          </p:spPr>
+          <p:style>
+            <a:lnRef idx="2">
+              <a:schemeClr val="accent1">
+                <a:shade val="50000"/>
+              </a:schemeClr>
+            </a:lnRef>
+            <a:fillRef idx="1">
+              <a:schemeClr val="accent1"/>
+            </a:fillRef>
+            <a:effectRef idx="0">
+              <a:schemeClr val="accent1"/>
+            </a:effectRef>
+            <a:fontRef idx="minor">
+              <a:schemeClr val="lt1"/>
+            </a:fontRef>
+          </p:style>
+          <p:txBody>
+            <a:bodyPr rtlCol="0" anchor="ctr"/>
+            <a:lstStyle/>
+            <a:p>
+              <a:pPr algn="ctr"/>
+              <a:r>
+                <a:rPr lang="en-US" altLang="ko-KR" dirty="0">
+                  <a:solidFill>
+                    <a:schemeClr val="tx1"/>
+                  </a:solidFill>
+                </a:rPr>
+                <a:t>header</a:t>
+              </a:r>
+              <a:endParaRPr lang="ko-KR" altLang="en-US" dirty="0">
+                <a:solidFill>
+                  <a:schemeClr val="tx1"/>
+                </a:solidFill>
+              </a:endParaRPr>
+            </a:p>
+          </p:txBody>
+        </p:sp>
+        <p:sp>
+          <p:nvSpPr>
+            <p:cNvPr id="6" name="직사각형 5">
+              <a:extLst>
+                <a:ext uri="{FF2B5EF4-FFF2-40B4-BE49-F238E27FC236}">
+                  <a16:creationId xmlns:a16="http://schemas.microsoft.com/office/drawing/2014/main" id="{4FF765FC-30CB-4347-A266-E76898F07B1D}"/>
+                </a:ext>
+              </a:extLst>
+            </p:cNvPr>
+            <p:cNvSpPr/>
+            <p:nvPr/>
+          </p:nvSpPr>
+          <p:spPr>
+            <a:xfrm>
+              <a:off x="2494843" y="485422"/>
+              <a:ext cx="9697156" cy="6372578"/>
+            </a:xfrm>
+            <a:prstGeom prst="rect">
+              <a:avLst/>
+            </a:prstGeom>
+            <a:noFill/>
+          </p:spPr>
+          <p:style>
+            <a:lnRef idx="2">
+              <a:schemeClr val="accent1">
+                <a:shade val="50000"/>
+              </a:schemeClr>
+            </a:lnRef>
+            <a:fillRef idx="1">
+              <a:schemeClr val="accent1"/>
+            </a:fillRef>
+            <a:effectRef idx="0">
+              <a:schemeClr val="accent1"/>
+            </a:effectRef>
+            <a:fontRef idx="minor">
+              <a:schemeClr val="lt1"/>
+            </a:fontRef>
+          </p:style>
+          <p:txBody>
+            <a:bodyPr rtlCol="0" anchor="ctr"/>
+            <a:lstStyle/>
+            <a:p>
+              <a:pPr algn="ctr"/>
+              <a:r>
+                <a:rPr lang="en-US" altLang="ko-KR" dirty="0">
+                  <a:solidFill>
+                    <a:schemeClr val="tx1"/>
+                  </a:solidFill>
+                </a:rPr>
+                <a:t>section</a:t>
+              </a:r>
+              <a:endParaRPr lang="ko-KR" altLang="en-US" dirty="0">
+                <a:solidFill>
+                  <a:schemeClr val="tx1"/>
+                </a:solidFill>
+              </a:endParaRPr>
+            </a:p>
+          </p:txBody>
+        </p:sp>
+      </p:grpSp>
+      <p:sp>
+        <p:nvSpPr>
+          <p:cNvPr id="8" name="직사각형 7">
+            <a:extLst>
+              <a:ext uri="{FF2B5EF4-FFF2-40B4-BE49-F238E27FC236}">
+                <a16:creationId xmlns:a16="http://schemas.microsoft.com/office/drawing/2014/main" id="{1867417C-B561-4240-8982-26085279AE7F}"/>
+              </a:ext>
+            </a:extLst>
+          </p:cNvPr>
+          <p:cNvSpPr/>
+          <p:nvPr/>
+        </p:nvSpPr>
+        <p:spPr>
+          <a:xfrm>
+            <a:off x="1288473" y="284787"/>
+            <a:ext cx="928255" cy="401270"/>
+          </a:xfrm>
+          <a:prstGeom prst="rect">
+            <a:avLst/>
+          </a:prstGeom>
+          <a:noFill/>
+        </p:spPr>
+        <p:style>
+          <a:lnRef idx="2">
+            <a:schemeClr val="accent1">
+              <a:shade val="50000"/>
+            </a:schemeClr>
+          </a:lnRef>
+          <a:fillRef idx="1">
+            <a:schemeClr val="accent1"/>
+          </a:fillRef>
+          <a:effectRef idx="0">
+            <a:schemeClr val="accent1"/>
+          </a:effectRef>
+          <a:fontRef idx="minor">
+            <a:schemeClr val="lt1"/>
+          </a:fontRef>
+        </p:style>
+        <p:txBody>
+          <a:bodyPr rtlCol="0" anchor="ctr"/>
+          <a:lstStyle/>
+          <a:p>
+            <a:pPr algn="ctr"/>
+            <a:r>
+              <a:rPr lang="en-US" altLang="ko-KR" dirty="0">
+                <a:solidFill>
+                  <a:schemeClr val="tx1"/>
+                </a:solidFill>
+              </a:rPr>
+              <a:t>button</a:t>
+            </a:r>
+            <a:endParaRPr lang="ko-KR" altLang="en-US" dirty="0">
+              <a:solidFill>
+                <a:schemeClr val="tx1"/>
+              </a:solidFill>
+            </a:endParaRPr>
+          </a:p>
+        </p:txBody>
+      </p:sp>
+    </p:spTree>
+    <p:extLst>
+      <p:ext uri="{BB962C8B-B14F-4D97-AF65-F5344CB8AC3E}">
+        <p14:creationId xmlns:p14="http://schemas.microsoft.com/office/powerpoint/2010/main" val="3418953574"/>
       </p:ext>
     </p:extLst>
   </p:cSld>
